--- a/module-2/unit-1/workshop-1/slides/2.1.1 Restful APIs and Frameworks.pptx
+++ b/module-2/unit-1/workshop-1/slides/2.1.1 Restful APIs and Frameworks.pptx
@@ -5,17 +5,19 @@
     <p:sldMasterId id="2147483648" r:id="rId1"/>
   </p:sldMasterIdLst>
   <p:notesMasterIdLst>
-    <p:notesMasterId r:id="rId10"/>
+    <p:notesMasterId r:id="rId12"/>
   </p:notesMasterIdLst>
   <p:sldIdLst>
-    <p:sldId id="256" r:id="rId2"/>
-    <p:sldId id="257" r:id="rId3"/>
-    <p:sldId id="258" r:id="rId4"/>
-    <p:sldId id="259" r:id="rId5"/>
-    <p:sldId id="260" r:id="rId6"/>
-    <p:sldId id="261" r:id="rId7"/>
-    <p:sldId id="262" r:id="rId8"/>
-    <p:sldId id="263" r:id="rId9"/>
+    <p:sldId id="265" r:id="rId2"/>
+    <p:sldId id="256" r:id="rId3"/>
+    <p:sldId id="257" r:id="rId4"/>
+    <p:sldId id="258" r:id="rId5"/>
+    <p:sldId id="259" r:id="rId6"/>
+    <p:sldId id="260" r:id="rId7"/>
+    <p:sldId id="261" r:id="rId8"/>
+    <p:sldId id="262" r:id="rId9"/>
+    <p:sldId id="264" r:id="rId10"/>
+    <p:sldId id="263" r:id="rId11"/>
   </p:sldIdLst>
   <p:sldSz cx="12192000" cy="6858000"/>
   <p:notesSz cx="6858000" cy="9144000"/>
@@ -614,7 +616,7 @@
           <a:p>
             <a:fld id="{5B50D70F-D4EF-4B50-BAED-51F636B03EFD}" type="slidenum">
               <a:rPr lang="en-GB" smtClean="0"/>
-              <a:t>3</a:t>
+              <a:t>4</a:t>
             </a:fld>
             <a:endParaRPr lang="en-GB"/>
           </a:p>
@@ -698,7 +700,7 @@
           <a:p>
             <a:fld id="{5B50D70F-D4EF-4B50-BAED-51F636B03EFD}" type="slidenum">
               <a:rPr lang="en-GB" smtClean="0"/>
-              <a:t>4</a:t>
+              <a:t>5</a:t>
             </a:fld>
             <a:endParaRPr lang="en-GB"/>
           </a:p>
@@ -953,7 +955,7 @@
           <a:p>
             <a:fld id="{5B50D70F-D4EF-4B50-BAED-51F636B03EFD}" type="slidenum">
               <a:rPr lang="en-GB" smtClean="0"/>
-              <a:t>6</a:t>
+              <a:t>7</a:t>
             </a:fld>
             <a:endParaRPr lang="en-GB"/>
           </a:p>
@@ -4196,6 +4198,750 @@
     <p:bg>
       <p:bgPr>
         <a:solidFill>
+          <a:schemeClr val="bg1"/>
+        </a:solidFill>
+        <a:effectLst/>
+      </p:bgPr>
+    </p:bg>
+    <p:spTree>
+      <p:nvGrpSpPr>
+        <p:cNvPr id="1" name=""/>
+        <p:cNvGrpSpPr/>
+        <p:nvPr/>
+      </p:nvGrpSpPr>
+      <p:grpSpPr>
+        <a:xfrm>
+          <a:off x="0" y="0"/>
+          <a:ext cx="0" cy="0"/>
+          <a:chOff x="0" y="0"/>
+          <a:chExt cx="0" cy="0"/>
+        </a:xfrm>
+      </p:grpSpPr>
+      <p:sp useBgFill="1">
+        <p:nvSpPr>
+          <p:cNvPr id="8" name="Rectangle 7">
+            <a:extLst>
+              <a:ext uri="{FF2B5EF4-FFF2-40B4-BE49-F238E27FC236}">
+                <a16:creationId xmlns:a16="http://schemas.microsoft.com/office/drawing/2014/main" id="{C2554CA6-288E-4202-BC52-2E5A8F0C0AED}"/>
+              </a:ext>
+              <a:ext uri="{C183D7F6-B498-43B3-948B-1728B52AA6E4}">
+                <adec:decorative xmlns:adec="http://schemas.microsoft.com/office/drawing/2017/decorative" val="1"/>
+              </a:ext>
+            </a:extLst>
+          </p:cNvPr>
+          <p:cNvSpPr>
+            <a:spLocks noGrp="1" noRot="1" noChangeAspect="1" noMove="1" noResize="1" noEditPoints="1" noAdjustHandles="1" noChangeArrowheads="1" noChangeShapeType="1" noTextEdit="1"/>
+          </p:cNvSpPr>
+          <p:nvPr>
+            <p:extLst>
+              <p:ext uri="{386F3935-93C4-4BCD-93E2-E3B085C9AB24}">
+                <p16:designElem xmlns:p16="http://schemas.microsoft.com/office/powerpoint/2015/main" val="1"/>
+              </p:ext>
+            </p:extLst>
+          </p:nvPr>
+        </p:nvSpPr>
+        <p:spPr>
+          <a:xfrm>
+            <a:off x="3048" y="0"/>
+            <a:ext cx="12188952" cy="6858000"/>
+          </a:xfrm>
+          <a:prstGeom prst="rect">
+            <a:avLst/>
+          </a:prstGeom>
+          <a:ln>
+            <a:noFill/>
+          </a:ln>
+        </p:spPr>
+        <p:style>
+          <a:lnRef idx="2">
+            <a:schemeClr val="accent1">
+              <a:shade val="50000"/>
+            </a:schemeClr>
+          </a:lnRef>
+          <a:fillRef idx="1">
+            <a:schemeClr val="accent1"/>
+          </a:fillRef>
+          <a:effectRef idx="0">
+            <a:schemeClr val="accent1"/>
+          </a:effectRef>
+          <a:fontRef idx="minor">
+            <a:schemeClr val="lt1"/>
+          </a:fontRef>
+        </p:style>
+        <p:txBody>
+          <a:bodyPr rtlCol="0" anchor="ctr"/>
+          <a:lstStyle/>
+          <a:p>
+            <a:pPr algn="ctr"/>
+            <a:endParaRPr lang="en-US"/>
+          </a:p>
+        </p:txBody>
+      </p:sp>
+      <p:sp>
+        <p:nvSpPr>
+          <p:cNvPr id="10" name="Oval 9">
+            <a:extLst>
+              <a:ext uri="{FF2B5EF4-FFF2-40B4-BE49-F238E27FC236}">
+                <a16:creationId xmlns:a16="http://schemas.microsoft.com/office/drawing/2014/main" id="{B10BB131-AC8E-4A8E-A5D1-36260F720C3B}"/>
+              </a:ext>
+              <a:ext uri="{C183D7F6-B498-43B3-948B-1728B52AA6E4}">
+                <adec:decorative xmlns:adec="http://schemas.microsoft.com/office/drawing/2017/decorative" val="1"/>
+              </a:ext>
+            </a:extLst>
+          </p:cNvPr>
+          <p:cNvSpPr>
+            <a:spLocks noGrp="1" noRot="1" noChangeAspect="1" noMove="1" noResize="1" noEditPoints="1" noAdjustHandles="1" noChangeArrowheads="1" noChangeShapeType="1" noTextEdit="1"/>
+          </p:cNvSpPr>
+          <p:nvPr>
+            <p:extLst>
+              <p:ext uri="{386F3935-93C4-4BCD-93E2-E3B085C9AB24}">
+                <p16:designElem xmlns:p16="http://schemas.microsoft.com/office/powerpoint/2015/main" val="1"/>
+              </p:ext>
+            </p:extLst>
+          </p:nvPr>
+        </p:nvSpPr>
+        <p:spPr>
+          <a:xfrm>
+            <a:off x="489189" y="1119031"/>
+            <a:ext cx="4619938" cy="4619938"/>
+          </a:xfrm>
+          <a:prstGeom prst="ellipse">
+            <a:avLst/>
+          </a:prstGeom>
+          <a:solidFill>
+            <a:schemeClr val="accent2"/>
+          </a:solidFill>
+          <a:ln>
+            <a:noFill/>
+          </a:ln>
+        </p:spPr>
+        <p:style>
+          <a:lnRef idx="2">
+            <a:schemeClr val="accent1">
+              <a:shade val="50000"/>
+            </a:schemeClr>
+          </a:lnRef>
+          <a:fillRef idx="1">
+            <a:schemeClr val="accent1"/>
+          </a:fillRef>
+          <a:effectRef idx="0">
+            <a:schemeClr val="accent1"/>
+          </a:effectRef>
+          <a:fontRef idx="minor">
+            <a:schemeClr val="lt1"/>
+          </a:fontRef>
+        </p:style>
+        <p:txBody>
+          <a:bodyPr rtlCol="0" anchor="ctr"/>
+          <a:lstStyle/>
+          <a:p>
+            <a:pPr algn="ctr"/>
+            <a:endParaRPr lang="en-US"/>
+          </a:p>
+        </p:txBody>
+      </p:sp>
+      <p:sp>
+        <p:nvSpPr>
+          <p:cNvPr id="2" name="Title 1">
+            <a:extLst>
+              <a:ext uri="{FF2B5EF4-FFF2-40B4-BE49-F238E27FC236}">
+                <a16:creationId xmlns:a16="http://schemas.microsoft.com/office/drawing/2014/main" id="{C0ADB821-82DE-A0FC-46CF-91D9332E8DFE}"/>
+              </a:ext>
+            </a:extLst>
+          </p:cNvPr>
+          <p:cNvSpPr>
+            <a:spLocks noGrp="1"/>
+          </p:cNvSpPr>
+          <p:nvPr>
+            <p:ph type="title"/>
+          </p:nvPr>
+        </p:nvSpPr>
+        <p:spPr>
+          <a:xfrm>
+            <a:off x="1171074" y="1396686"/>
+            <a:ext cx="3240506" cy="4064628"/>
+          </a:xfrm>
+        </p:spPr>
+        <p:txBody>
+          <a:bodyPr>
+            <a:normAutofit/>
+          </a:bodyPr>
+          <a:lstStyle/>
+          <a:p>
+            <a:r>
+              <a:rPr lang="en-GB">
+                <a:solidFill>
+                  <a:srgbClr val="FFFFFF"/>
+                </a:solidFill>
+              </a:rPr>
+              <a:t>Warm up</a:t>
+            </a:r>
+          </a:p>
+        </p:txBody>
+      </p:sp>
+      <p:sp>
+        <p:nvSpPr>
+          <p:cNvPr id="12" name="Arc 11">
+            <a:extLst>
+              <a:ext uri="{FF2B5EF4-FFF2-40B4-BE49-F238E27FC236}">
+                <a16:creationId xmlns:a16="http://schemas.microsoft.com/office/drawing/2014/main" id="{5B7778FC-632E-4DCA-A7CB-0D7731CCF970}"/>
+              </a:ext>
+              <a:ext uri="{C183D7F6-B498-43B3-948B-1728B52AA6E4}">
+                <adec:decorative xmlns:adec="http://schemas.microsoft.com/office/drawing/2017/decorative" val="1"/>
+              </a:ext>
+            </a:extLst>
+          </p:cNvPr>
+          <p:cNvSpPr>
+            <a:spLocks noGrp="1" noRot="1" noChangeAspect="1" noMove="1" noResize="1" noEditPoints="1" noAdjustHandles="1" noChangeArrowheads="1" noChangeShapeType="1" noTextEdit="1"/>
+          </p:cNvSpPr>
+          <p:nvPr>
+            <p:extLst>
+              <p:ext uri="{386F3935-93C4-4BCD-93E2-E3B085C9AB24}">
+                <p16:designElem xmlns:p16="http://schemas.microsoft.com/office/powerpoint/2015/main" val="1"/>
+              </p:ext>
+            </p:extLst>
+          </p:nvPr>
+        </p:nvSpPr>
+        <p:spPr>
+          <a:xfrm rot="19809111">
+            <a:off x="8683720" y="941148"/>
+            <a:ext cx="2987899" cy="2987899"/>
+          </a:xfrm>
+          <a:prstGeom prst="arc">
+            <a:avLst>
+              <a:gd name="adj1" fmla="val 15817365"/>
+              <a:gd name="adj2" fmla="val 1781380"/>
+            </a:avLst>
+          </a:prstGeom>
+          <a:ln w="127000" cap="rnd">
+            <a:solidFill>
+              <a:schemeClr val="accent4"/>
+            </a:solidFill>
+            <a:prstDash val="dash"/>
+            <a:miter lim="800000"/>
+          </a:ln>
+        </p:spPr>
+        <p:style>
+          <a:lnRef idx="1">
+            <a:schemeClr val="accent1"/>
+          </a:lnRef>
+          <a:fillRef idx="0">
+            <a:schemeClr val="accent1"/>
+          </a:fillRef>
+          <a:effectRef idx="0">
+            <a:schemeClr val="accent1"/>
+          </a:effectRef>
+          <a:fontRef idx="minor">
+            <a:schemeClr val="tx1"/>
+          </a:fontRef>
+        </p:style>
+        <p:txBody>
+          <a:bodyPr rtlCol="0" anchor="ctr"/>
+          <a:lstStyle/>
+          <a:p>
+            <a:pPr marL="0" marR="0" lvl="0" indent="0" algn="ctr" defTabSz="914400" rtl="0" eaLnBrk="1" fontAlgn="auto" latinLnBrk="0" hangingPunct="1">
+              <a:lnSpc>
+                <a:spcPct val="100000"/>
+              </a:lnSpc>
+              <a:spcBef>
+                <a:spcPts val="0"/>
+              </a:spcBef>
+              <a:spcAft>
+                <a:spcPts val="0"/>
+              </a:spcAft>
+              <a:buClrTx/>
+              <a:buSzTx/>
+              <a:buFontTx/>
+              <a:buNone/>
+              <a:tabLst/>
+              <a:defRPr/>
+            </a:pPr>
+            <a:endParaRPr kumimoji="0" lang="en-US" sz="1800" b="0" i="0" u="none" strike="noStrike" kern="1200" cap="none" spc="0" normalizeH="0" baseline="0" noProof="0">
+              <a:ln>
+                <a:noFill/>
+              </a:ln>
+              <a:solidFill>
+                <a:srgbClr val="000000"/>
+              </a:solidFill>
+              <a:effectLst/>
+              <a:uLnTx/>
+              <a:uFillTx/>
+              <a:latin typeface="Calibri" panose="020F0502020204030204"/>
+              <a:ea typeface="+mn-ea"/>
+              <a:cs typeface="+mn-cs"/>
+            </a:endParaRPr>
+          </a:p>
+        </p:txBody>
+      </p:sp>
+      <p:sp>
+        <p:nvSpPr>
+          <p:cNvPr id="14" name="Oval 13">
+            <a:extLst>
+              <a:ext uri="{FF2B5EF4-FFF2-40B4-BE49-F238E27FC236}">
+                <a16:creationId xmlns:a16="http://schemas.microsoft.com/office/drawing/2014/main" id="{FA23A907-97FB-4A8F-880A-DD77401C4296}"/>
+              </a:ext>
+              <a:ext uri="{C183D7F6-B498-43B3-948B-1728B52AA6E4}">
+                <adec:decorative xmlns:adec="http://schemas.microsoft.com/office/drawing/2017/decorative" val="1"/>
+              </a:ext>
+            </a:extLst>
+          </p:cNvPr>
+          <p:cNvSpPr>
+            <a:spLocks noGrp="1" noRot="1" noChangeAspect="1" noMove="1" noResize="1" noEditPoints="1" noAdjustHandles="1" noChangeArrowheads="1" noChangeShapeType="1" noTextEdit="1"/>
+          </p:cNvSpPr>
+          <p:nvPr>
+            <p:extLst>
+              <p:ext uri="{386F3935-93C4-4BCD-93E2-E3B085C9AB24}">
+                <p16:designElem xmlns:p16="http://schemas.microsoft.com/office/powerpoint/2015/main" val="1"/>
+              </p:ext>
+            </p:extLst>
+          </p:nvPr>
+        </p:nvSpPr>
+        <p:spPr>
+          <a:xfrm>
+            <a:off x="910048" y="4780992"/>
+            <a:ext cx="546100" cy="546100"/>
+          </a:xfrm>
+          <a:prstGeom prst="ellipse">
+            <a:avLst/>
+          </a:prstGeom>
+          <a:solidFill>
+            <a:schemeClr val="accent5"/>
+          </a:solidFill>
+          <a:ln>
+            <a:noFill/>
+          </a:ln>
+        </p:spPr>
+        <p:style>
+          <a:lnRef idx="2">
+            <a:schemeClr val="accent1">
+              <a:shade val="50000"/>
+            </a:schemeClr>
+          </a:lnRef>
+          <a:fillRef idx="1">
+            <a:schemeClr val="accent1"/>
+          </a:fillRef>
+          <a:effectRef idx="0">
+            <a:schemeClr val="accent1"/>
+          </a:effectRef>
+          <a:fontRef idx="minor">
+            <a:schemeClr val="lt1"/>
+          </a:fontRef>
+        </p:style>
+        <p:txBody>
+          <a:bodyPr rtlCol="0" anchor="ctr"/>
+          <a:lstStyle/>
+          <a:p>
+            <a:pPr marL="0" marR="0" lvl="0" indent="0" algn="ctr" defTabSz="914400" rtl="0" eaLnBrk="1" fontAlgn="auto" latinLnBrk="0" hangingPunct="1">
+              <a:lnSpc>
+                <a:spcPct val="100000"/>
+              </a:lnSpc>
+              <a:spcBef>
+                <a:spcPts val="0"/>
+              </a:spcBef>
+              <a:spcAft>
+                <a:spcPts val="0"/>
+              </a:spcAft>
+              <a:buClrTx/>
+              <a:buSzTx/>
+              <a:buFontTx/>
+              <a:buNone/>
+              <a:tabLst/>
+              <a:defRPr/>
+            </a:pPr>
+            <a:endParaRPr kumimoji="0" lang="en-US" sz="1800" b="0" i="0" u="none" strike="noStrike" kern="1200" cap="none" spc="0" normalizeH="0" baseline="0" noProof="0">
+              <a:ln>
+                <a:noFill/>
+              </a:ln>
+              <a:solidFill>
+                <a:srgbClr val="FFFFFF"/>
+              </a:solidFill>
+              <a:effectLst/>
+              <a:uLnTx/>
+              <a:uFillTx/>
+              <a:latin typeface="Calibri" panose="020F0502020204030204"/>
+              <a:ea typeface="+mn-ea"/>
+              <a:cs typeface="+mn-cs"/>
+            </a:endParaRPr>
+          </a:p>
+        </p:txBody>
+      </p:sp>
+      <p:sp>
+        <p:nvSpPr>
+          <p:cNvPr id="3" name="Content Placeholder 2">
+            <a:extLst>
+              <a:ext uri="{FF2B5EF4-FFF2-40B4-BE49-F238E27FC236}">
+                <a16:creationId xmlns:a16="http://schemas.microsoft.com/office/drawing/2014/main" id="{233254D0-CEF6-0E3A-E305-23B7EDA9B2A1}"/>
+              </a:ext>
+            </a:extLst>
+          </p:cNvPr>
+          <p:cNvSpPr>
+            <a:spLocks noGrp="1"/>
+          </p:cNvSpPr>
+          <p:nvPr>
+            <p:ph idx="1"/>
+          </p:nvPr>
+        </p:nvSpPr>
+        <p:spPr>
+          <a:xfrm>
+            <a:off x="5370153" y="1526033"/>
+            <a:ext cx="5536397" cy="3935281"/>
+          </a:xfrm>
+        </p:spPr>
+        <p:txBody>
+          <a:bodyPr>
+            <a:normAutofit/>
+          </a:bodyPr>
+          <a:lstStyle/>
+          <a:p>
+            <a:pPr marL="0" indent="0">
+              <a:buNone/>
+            </a:pPr>
+            <a:r>
+              <a:rPr lang="en-GB" sz="2600" dirty="0"/>
+              <a:t>The factorial function takes a positive integer and multiplies it by all the positive integers smaller than it.</a:t>
+            </a:r>
+          </a:p>
+          <a:p>
+            <a:pPr marL="0" indent="0">
+              <a:buNone/>
+            </a:pPr>
+            <a:endParaRPr lang="en-GB" sz="2600" dirty="0"/>
+          </a:p>
+          <a:p>
+            <a:pPr marL="0" indent="0">
+              <a:buNone/>
+            </a:pPr>
+            <a:r>
+              <a:rPr lang="en-GB" sz="2600" dirty="0"/>
+              <a:t>Using JavaScript, write a function</a:t>
+            </a:r>
+          </a:p>
+          <a:p>
+            <a:pPr marL="0" indent="0" algn="ctr">
+              <a:buNone/>
+            </a:pPr>
+            <a:r>
+              <a:rPr lang="en-GB" sz="2600" dirty="0">
+                <a:latin typeface="Consolas" panose="020B0609020204030204" pitchFamily="49" charset="0"/>
+              </a:rPr>
+              <a:t>factorial(n)</a:t>
+            </a:r>
+          </a:p>
+          <a:p>
+            <a:pPr marL="0" indent="0">
+              <a:buNone/>
+            </a:pPr>
+            <a:r>
+              <a:rPr lang="en-GB" sz="2600" dirty="0"/>
+              <a:t>which computes the factorial of a given positive integer.</a:t>
+            </a:r>
+          </a:p>
+        </p:txBody>
+      </p:sp>
+    </p:spTree>
+    <p:extLst>
+      <p:ext uri="{BB962C8B-B14F-4D97-AF65-F5344CB8AC3E}">
+        <p14:creationId xmlns:p14="http://schemas.microsoft.com/office/powerpoint/2010/main" val="4200735315"/>
+      </p:ext>
+    </p:extLst>
+  </p:cSld>
+  <p:clrMapOvr>
+    <a:masterClrMapping/>
+  </p:clrMapOvr>
+</p:sld>
+</file>
+
+<file path=ppt/slides/slide10.xml><?xml version="1.0" encoding="utf-8"?>
+<p:sld xmlns:a="http://schemas.openxmlformats.org/drawingml/2006/main" xmlns:r="http://schemas.openxmlformats.org/officeDocument/2006/relationships" xmlns:p="http://schemas.openxmlformats.org/presentationml/2006/main">
+  <p:cSld>
+    <p:bg>
+      <p:bgPr>
+        <a:solidFill>
+          <a:schemeClr val="bg1">
+            <a:tint val="95000"/>
+            <a:satMod val="170000"/>
+          </a:schemeClr>
+        </a:solidFill>
+        <a:effectLst/>
+      </p:bgPr>
+    </p:bg>
+    <p:spTree>
+      <p:nvGrpSpPr>
+        <p:cNvPr id="1" name=""/>
+        <p:cNvGrpSpPr/>
+        <p:nvPr/>
+      </p:nvGrpSpPr>
+      <p:grpSpPr>
+        <a:xfrm>
+          <a:off x="0" y="0"/>
+          <a:ext cx="0" cy="0"/>
+          <a:chOff x="0" y="0"/>
+          <a:chExt cx="0" cy="0"/>
+        </a:xfrm>
+      </p:grpSpPr>
+      <p:sp>
+        <p:nvSpPr>
+          <p:cNvPr id="2" name="Title 1">
+            <a:extLst>
+              <a:ext uri="{FF2B5EF4-FFF2-40B4-BE49-F238E27FC236}">
+                <a16:creationId xmlns:a16="http://schemas.microsoft.com/office/drawing/2014/main" id="{C18C77F4-017C-4963-8120-026618A2D443}"/>
+              </a:ext>
+            </a:extLst>
+          </p:cNvPr>
+          <p:cNvSpPr>
+            <a:spLocks noGrp="1"/>
+          </p:cNvSpPr>
+          <p:nvPr>
+            <p:ph type="title"/>
+          </p:nvPr>
+        </p:nvSpPr>
+        <p:spPr>
+          <a:xfrm>
+            <a:off x="7464614" y="1783959"/>
+            <a:ext cx="4087306" cy="2889114"/>
+          </a:xfrm>
+        </p:spPr>
+        <p:txBody>
+          <a:bodyPr vert="horz" lIns="91440" tIns="45720" rIns="91440" bIns="45720" rtlCol="0" anchor="b">
+            <a:normAutofit/>
+          </a:bodyPr>
+          <a:lstStyle/>
+          <a:p>
+            <a:r>
+              <a:rPr lang="en-US" sz="5000" dirty="0"/>
+              <a:t>Tell me something about REST APIs</a:t>
+            </a:r>
+          </a:p>
+        </p:txBody>
+      </p:sp>
+      <p:sp>
+        <p:nvSpPr>
+          <p:cNvPr id="10" name="Freeform: Shape 9">
+            <a:extLst>
+              <a:ext uri="{FF2B5EF4-FFF2-40B4-BE49-F238E27FC236}">
+                <a16:creationId xmlns:a16="http://schemas.microsoft.com/office/drawing/2014/main" id="{E49CC64F-7275-4E33-961B-0C5CDC439875}"/>
+              </a:ext>
+              <a:ext uri="{C183D7F6-B498-43B3-948B-1728B52AA6E4}">
+                <adec:decorative xmlns:adec="http://schemas.microsoft.com/office/drawing/2017/decorative" val="1"/>
+              </a:ext>
+            </a:extLst>
+          </p:cNvPr>
+          <p:cNvSpPr>
+            <a:spLocks noGrp="1" noRot="1" noChangeAspect="1" noMove="1" noResize="1" noEditPoints="1" noAdjustHandles="1" noChangeArrowheads="1" noChangeShapeType="1" noTextEdit="1"/>
+          </p:cNvSpPr>
+          <p:nvPr>
+            <p:extLst>
+              <p:ext uri="{386F3935-93C4-4BCD-93E2-E3B085C9AB24}">
+                <p16:designElem xmlns:p16="http://schemas.microsoft.com/office/powerpoint/2015/main" val="1"/>
+              </p:ext>
+            </p:extLst>
+          </p:nvPr>
+        </p:nvSpPr>
+        <p:spPr>
+          <a:xfrm flipH="1" flipV="1">
+            <a:off x="1" y="0"/>
+            <a:ext cx="7188051" cy="6858000"/>
+          </a:xfrm>
+          <a:custGeom>
+            <a:avLst/>
+            <a:gdLst>
+              <a:gd name="connsiteX0" fmla="*/ 7188051 w 7188051"/>
+              <a:gd name="connsiteY0" fmla="*/ 6858000 h 6858000"/>
+              <a:gd name="connsiteX1" fmla="*/ 108694 w 7188051"/>
+              <a:gd name="connsiteY1" fmla="*/ 6858000 h 6858000"/>
+              <a:gd name="connsiteX2" fmla="*/ 79127 w 7188051"/>
+              <a:gd name="connsiteY2" fmla="*/ 6681235 h 6858000"/>
+              <a:gd name="connsiteX3" fmla="*/ 0 w 7188051"/>
+              <a:gd name="connsiteY3" fmla="*/ 5565888 h 6858000"/>
+              <a:gd name="connsiteX4" fmla="*/ 2190696 w 7188051"/>
+              <a:gd name="connsiteY4" fmla="*/ 145339 h 6858000"/>
+              <a:gd name="connsiteX5" fmla="*/ 2339431 w 7188051"/>
+              <a:gd name="connsiteY5" fmla="*/ 0 h 6858000"/>
+              <a:gd name="connsiteX6" fmla="*/ 7188051 w 7188051"/>
+              <a:gd name="connsiteY6" fmla="*/ 0 h 6858000"/>
+            </a:gdLst>
+            <a:ahLst/>
+            <a:cxnLst>
+              <a:cxn ang="0">
+                <a:pos x="connsiteX0" y="connsiteY0"/>
+              </a:cxn>
+              <a:cxn ang="0">
+                <a:pos x="connsiteX1" y="connsiteY1"/>
+              </a:cxn>
+              <a:cxn ang="0">
+                <a:pos x="connsiteX2" y="connsiteY2"/>
+              </a:cxn>
+              <a:cxn ang="0">
+                <a:pos x="connsiteX3" y="connsiteY3"/>
+              </a:cxn>
+              <a:cxn ang="0">
+                <a:pos x="connsiteX4" y="connsiteY4"/>
+              </a:cxn>
+              <a:cxn ang="0">
+                <a:pos x="connsiteX5" y="connsiteY5"/>
+              </a:cxn>
+              <a:cxn ang="0">
+                <a:pos x="connsiteX6" y="connsiteY6"/>
+              </a:cxn>
+            </a:cxnLst>
+            <a:rect l="l" t="t" r="r" b="b"/>
+            <a:pathLst>
+              <a:path w="7188051" h="6858000">
+                <a:moveTo>
+                  <a:pt x="7188051" y="6858000"/>
+                </a:moveTo>
+                <a:lnTo>
+                  <a:pt x="108694" y="6858000"/>
+                </a:lnTo>
+                <a:lnTo>
+                  <a:pt x="79127" y="6681235"/>
+                </a:lnTo>
+                <a:cubicBezTo>
+                  <a:pt x="26981" y="6316967"/>
+                  <a:pt x="0" y="5944579"/>
+                  <a:pt x="0" y="5565888"/>
+                </a:cubicBezTo>
+                <a:cubicBezTo>
+                  <a:pt x="0" y="3459953"/>
+                  <a:pt x="834428" y="1548908"/>
+                  <a:pt x="2190696" y="145339"/>
+                </a:cubicBezTo>
+                <a:lnTo>
+                  <a:pt x="2339431" y="0"/>
+                </a:lnTo>
+                <a:lnTo>
+                  <a:pt x="7188051" y="0"/>
+                </a:lnTo>
+                <a:close/>
+              </a:path>
+            </a:pathLst>
+          </a:custGeom>
+          <a:solidFill>
+            <a:schemeClr val="tx1">
+              <a:alpha val="80000"/>
+            </a:schemeClr>
+          </a:solidFill>
+          <a:ln>
+            <a:noFill/>
+          </a:ln>
+        </p:spPr>
+        <p:style>
+          <a:lnRef idx="2">
+            <a:schemeClr val="accent1">
+              <a:shade val="50000"/>
+            </a:schemeClr>
+          </a:lnRef>
+          <a:fillRef idx="1">
+            <a:schemeClr val="accent1"/>
+          </a:fillRef>
+          <a:effectRef idx="0">
+            <a:schemeClr val="accent1"/>
+          </a:effectRef>
+          <a:fontRef idx="minor">
+            <a:schemeClr val="lt1"/>
+          </a:fontRef>
+        </p:style>
+        <p:txBody>
+          <a:bodyPr wrap="square" rtlCol="0" anchor="ctr">
+            <a:noAutofit/>
+          </a:bodyPr>
+          <a:lstStyle/>
+          <a:p>
+            <a:pPr algn="ctr"/>
+            <a:endParaRPr lang="en-US"/>
+          </a:p>
+        </p:txBody>
+      </p:sp>
+      <p:pic>
+        <p:nvPicPr>
+          <p:cNvPr id="5" name="Content Placeholder 4" descr="Woman reaching for book in library">
+            <a:extLst>
+              <a:ext uri="{FF2B5EF4-FFF2-40B4-BE49-F238E27FC236}">
+                <a16:creationId xmlns:a16="http://schemas.microsoft.com/office/drawing/2014/main" id="{3B9EDE41-42E1-4FCB-9228-8EB962680373}"/>
+              </a:ext>
+            </a:extLst>
+          </p:cNvPr>
+          <p:cNvPicPr>
+            <a:picLocks noGrp="1" noChangeAspect="1"/>
+          </p:cNvPicPr>
+          <p:nvPr>
+            <p:ph idx="1"/>
+          </p:nvPr>
+        </p:nvPicPr>
+        <p:blipFill rotWithShape="1">
+          <a:blip r:embed="rId2">
+            <a:extLst>
+              <a:ext uri="{28A0092B-C50C-407E-A947-70E740481C1C}">
+                <a14:useLocalDpi xmlns:a14="http://schemas.microsoft.com/office/drawing/2010/main" val="0"/>
+              </a:ext>
+            </a:extLst>
+          </a:blip>
+          <a:srcRect l="15036" r="16553" b="-1"/>
+          <a:stretch/>
+        </p:blipFill>
+        <p:spPr>
+          <a:xfrm>
+            <a:off x="1" y="10"/>
+            <a:ext cx="7028495" cy="6857990"/>
+          </a:xfrm>
+          <a:custGeom>
+            <a:avLst/>
+            <a:gdLst/>
+            <a:ahLst/>
+            <a:cxnLst/>
+            <a:rect l="l" t="t" r="r" b="b"/>
+            <a:pathLst>
+              <a:path w="7028495" h="6858000">
+                <a:moveTo>
+                  <a:pt x="0" y="0"/>
+                </a:moveTo>
+                <a:lnTo>
+                  <a:pt x="6915668" y="0"/>
+                </a:lnTo>
+                <a:lnTo>
+                  <a:pt x="6952411" y="219663"/>
+                </a:lnTo>
+                <a:cubicBezTo>
+                  <a:pt x="7002551" y="569921"/>
+                  <a:pt x="7028495" y="927986"/>
+                  <a:pt x="7028495" y="1292112"/>
+                </a:cubicBezTo>
+                <a:cubicBezTo>
+                  <a:pt x="7028495" y="3343346"/>
+                  <a:pt x="6205186" y="5202289"/>
+                  <a:pt x="4870994" y="6556512"/>
+                </a:cubicBezTo>
+                <a:lnTo>
+                  <a:pt x="4556185" y="6858000"/>
+                </a:lnTo>
+                <a:lnTo>
+                  <a:pt x="0" y="6858000"/>
+                </a:lnTo>
+                <a:close/>
+              </a:path>
+            </a:pathLst>
+          </a:custGeom>
+        </p:spPr>
+      </p:pic>
+    </p:spTree>
+    <p:extLst>
+      <p:ext uri="{BB962C8B-B14F-4D97-AF65-F5344CB8AC3E}">
+        <p14:creationId xmlns:p14="http://schemas.microsoft.com/office/powerpoint/2010/main" val="938545166"/>
+      </p:ext>
+    </p:extLst>
+  </p:cSld>
+  <p:clrMapOvr>
+    <a:overrideClrMapping bg1="dk1" tx1="lt1" bg2="dk2" tx2="lt2" accent1="accent1" accent2="accent2" accent3="accent3" accent4="accent4" accent5="accent5" accent6="accent6" hlink="hlink" folHlink="folHlink"/>
+  </p:clrMapOvr>
+</p:sld>
+</file>
+
+<file path=ppt/slides/slide2.xml><?xml version="1.0" encoding="utf-8"?>
+<p:sld xmlns:a="http://schemas.openxmlformats.org/drawingml/2006/main" xmlns:r="http://schemas.openxmlformats.org/officeDocument/2006/relationships" xmlns:p="http://schemas.openxmlformats.org/presentationml/2006/main">
+  <p:cSld>
+    <p:bg>
+      <p:bgPr>
+        <a:solidFill>
           <a:schemeClr val="bg1">
             <a:tint val="95000"/>
             <a:satMod val="170000"/>
@@ -5192,7 +5938,7 @@
 </p:sld>
 </file>
 
-<file path=ppt/slides/slide2.xml><?xml version="1.0" encoding="utf-8"?>
+<file path=ppt/slides/slide3.xml><?xml version="1.0" encoding="utf-8"?>
 <p:sld xmlns:a="http://schemas.openxmlformats.org/drawingml/2006/main" xmlns:r="http://schemas.openxmlformats.org/officeDocument/2006/relationships" xmlns:p="http://schemas.openxmlformats.org/presentationml/2006/main">
   <p:cSld>
     <p:bg>
@@ -5549,7 +6295,15 @@
             </a:r>
             <a:r>
               <a:rPr lang="en-GB" sz="3200" dirty="0"/>
-              <a:t>: an application architecture that uses http requests to access and use data</a:t>
+              <a:t>: an </a:t>
+            </a:r>
+            <a:r>
+              <a:rPr lang="en-GB" sz="3200" i="1" dirty="0"/>
+              <a:t>architectural style</a:t>
+            </a:r>
+            <a:r>
+              <a:rPr lang="en-GB" sz="3200" dirty="0"/>
+              <a:t> that uses http requests to access and use data</a:t>
             </a:r>
           </a:p>
           <a:p>
@@ -5732,7 +6486,7 @@
 </p:sld>
 </file>
 
-<file path=ppt/slides/slide3.xml><?xml version="1.0" encoding="utf-8"?>
+<file path=ppt/slides/slide4.xml><?xml version="1.0" encoding="utf-8"?>
 <p:sld xmlns:a="http://schemas.openxmlformats.org/drawingml/2006/main" xmlns:r="http://schemas.openxmlformats.org/officeDocument/2006/relationships" xmlns:p="http://schemas.openxmlformats.org/presentationml/2006/main">
   <p:cSld>
     <p:bg>
@@ -6313,7 +7067,7 @@
 </p:sld>
 </file>
 
-<file path=ppt/slides/slide4.xml><?xml version="1.0" encoding="utf-8"?>
+<file path=ppt/slides/slide5.xml><?xml version="1.0" encoding="utf-8"?>
 <p:sld xmlns:a="http://schemas.openxmlformats.org/drawingml/2006/main" xmlns:r="http://schemas.openxmlformats.org/officeDocument/2006/relationships" xmlns:p="http://schemas.openxmlformats.org/presentationml/2006/main">
   <p:cSld>
     <p:bg>
@@ -7355,7 +8109,7 @@
 </p:sld>
 </file>
 
-<file path=ppt/slides/slide5.xml><?xml version="1.0" encoding="utf-8"?>
+<file path=ppt/slides/slide6.xml><?xml version="1.0" encoding="utf-8"?>
 <p:sld xmlns:a="http://schemas.openxmlformats.org/drawingml/2006/main" xmlns:r="http://schemas.openxmlformats.org/officeDocument/2006/relationships" xmlns:p="http://schemas.openxmlformats.org/presentationml/2006/main">
   <p:cSld>
     <p:bg>
@@ -7889,13 +8643,13 @@
         </p:nvSpPr>
         <p:spPr>
           <a:xfrm>
-            <a:off x="6503158" y="649480"/>
-            <a:ext cx="4862447" cy="5546047"/>
+            <a:off x="5588348" y="649480"/>
+            <a:ext cx="5777258" cy="5546047"/>
           </a:xfrm>
         </p:spPr>
         <p:txBody>
           <a:bodyPr anchor="ctr">
-            <a:normAutofit lnSpcReduction="10000"/>
+            <a:normAutofit fontScale="92500" lnSpcReduction="10000"/>
           </a:bodyPr>
           <a:lstStyle/>
           <a:p>
@@ -7903,31 +8657,31 @@
               <a:buNone/>
             </a:pPr>
             <a:r>
-              <a:rPr lang="en-GB"/>
+              <a:rPr lang="en-GB" dirty="0"/>
               <a:t>Data should be sent by </a:t>
             </a:r>
             <a:r>
-              <a:rPr lang="en-GB" b="1"/>
+              <a:rPr lang="en-GB" b="1" dirty="0"/>
               <a:t>http request</a:t>
             </a:r>
             <a:r>
-              <a:rPr lang="en-GB"/>
+              <a:rPr lang="en-GB" dirty="0"/>
               <a:t> in the </a:t>
             </a:r>
             <a:r>
-              <a:rPr lang="en-GB" b="1"/>
+              <a:rPr lang="en-GB" b="1" dirty="0"/>
               <a:t>body</a:t>
             </a:r>
             <a:r>
-              <a:rPr lang="en-GB"/>
+              <a:rPr lang="en-GB" dirty="0"/>
               <a:t> as </a:t>
             </a:r>
             <a:r>
-              <a:rPr lang="en-GB" b="1"/>
+              <a:rPr lang="en-GB" b="1" dirty="0" err="1"/>
               <a:t>json</a:t>
             </a:r>
             <a:r>
-              <a:rPr lang="en-GB"/>
+              <a:rPr lang="en-GB" dirty="0"/>
               <a:t>:</a:t>
             </a:r>
           </a:p>
@@ -7935,14 +8689,14 @@
             <a:pPr marL="0" indent="0">
               <a:buNone/>
             </a:pPr>
-            <a:endParaRPr lang="en-GB"/>
+            <a:endParaRPr lang="en-GB" dirty="0"/>
           </a:p>
           <a:p>
             <a:pPr marL="0" indent="0">
               <a:buNone/>
             </a:pPr>
             <a:r>
-              <a:rPr lang="en-GB" b="0">
+              <a:rPr lang="en-GB" sz="2200" b="0" dirty="0">
                 <a:effectLst/>
                 <a:latin typeface="Consolas" panose="020B0609020204030204" pitchFamily="49" charset="0"/>
               </a:rPr>
@@ -7954,7 +8708,7 @@
               <a:buNone/>
             </a:pPr>
             <a:r>
-              <a:rPr lang="en-GB" b="0">
+              <a:rPr lang="en-GB" sz="2200" b="0" dirty="0">
                 <a:effectLst/>
                 <a:latin typeface="Consolas" panose="020B0609020204030204" pitchFamily="49" charset="0"/>
               </a:rPr>
@@ -7966,7 +8720,7 @@
               <a:buNone/>
             </a:pPr>
             <a:r>
-              <a:rPr lang="en-GB" b="0">
+              <a:rPr lang="en-GB" sz="2200" b="0" dirty="0">
                 <a:effectLst/>
                 <a:latin typeface="Consolas" panose="020B0609020204030204" pitchFamily="49" charset="0"/>
               </a:rPr>
@@ -7978,7 +8732,7 @@
               <a:buNone/>
             </a:pPr>
             <a:r>
-              <a:rPr lang="en-GB" b="0">
+              <a:rPr lang="en-GB" sz="2200" b="0" dirty="0">
                 <a:effectLst/>
                 <a:latin typeface="Consolas" panose="020B0609020204030204" pitchFamily="49" charset="0"/>
               </a:rPr>
@@ -7990,11 +8744,25 @@
               <a:buNone/>
             </a:pPr>
             <a:r>
-              <a:rPr lang="en-GB" b="0">
+              <a:rPr lang="en-GB" sz="2200" b="0" dirty="0">
                 <a:effectLst/>
                 <a:latin typeface="Consolas" panose="020B0609020204030204" pitchFamily="49" charset="0"/>
               </a:rPr>
-              <a:t>    "name": "Zebediah",</a:t>
+              <a:t>    "name": "</a:t>
+            </a:r>
+            <a:r>
+              <a:rPr lang="en-GB" sz="2200" b="0" dirty="0" err="1">
+                <a:effectLst/>
+                <a:latin typeface="Consolas" panose="020B0609020204030204" pitchFamily="49" charset="0"/>
+              </a:rPr>
+              <a:t>Zebediah</a:t>
+            </a:r>
+            <a:r>
+              <a:rPr lang="en-GB" sz="2200" b="0" dirty="0">
+                <a:effectLst/>
+                <a:latin typeface="Consolas" panose="020B0609020204030204" pitchFamily="49" charset="0"/>
+              </a:rPr>
+              <a:t>",</a:t>
             </a:r>
           </a:p>
           <a:p>
@@ -8002,7 +8770,7 @@
               <a:buNone/>
             </a:pPr>
             <a:r>
-              <a:rPr lang="en-GB" b="0">
+              <a:rPr lang="en-GB" sz="2200" b="0" dirty="0">
                 <a:effectLst/>
                 <a:latin typeface="Consolas" panose="020B0609020204030204" pitchFamily="49" charset="0"/>
               </a:rPr>
@@ -8014,11 +8782,11 @@
               <a:buNone/>
             </a:pPr>
             <a:r>
-              <a:rPr lang="en-GB" b="0">
+              <a:rPr lang="en-GB" sz="2200" b="0" dirty="0">
                 <a:effectLst/>
                 <a:latin typeface="Consolas" panose="020B0609020204030204" pitchFamily="49" charset="0"/>
               </a:rPr>
-              <a:t>    }</a:t>
+              <a:t>  },</a:t>
             </a:r>
           </a:p>
           <a:p>
@@ -8026,11 +8794,30 @@
               <a:buNone/>
             </a:pPr>
             <a:r>
-              <a:rPr lang="en-GB" b="0">
+              <a:rPr lang="en-GB" sz="2200" dirty="0">
+                <a:latin typeface="Consolas" panose="020B0609020204030204" pitchFamily="49" charset="0"/>
+              </a:rPr>
+              <a:t>  </a:t>
+            </a:r>
+            <a:r>
+              <a:rPr lang="en-GB" sz="2200" b="0" dirty="0">
                 <a:effectLst/>
                 <a:latin typeface="Consolas" panose="020B0609020204030204" pitchFamily="49" charset="0"/>
               </a:rPr>
-              <a:t>  }</a:t>
+              <a:t>"</a:t>
+            </a:r>
+            <a:r>
+              <a:rPr lang="en-GB" sz="2200" dirty="0">
+                <a:latin typeface="Consolas" panose="020B0609020204030204" pitchFamily="49" charset="0"/>
+              </a:rPr>
+              <a:t>headers</a:t>
+            </a:r>
+            <a:r>
+              <a:rPr lang="en-GB" sz="2200" b="0" dirty="0">
+                <a:effectLst/>
+                <a:latin typeface="Consolas" panose="020B0609020204030204" pitchFamily="49" charset="0"/>
+              </a:rPr>
+              <a:t>": {</a:t>
             </a:r>
           </a:p>
           <a:p>
@@ -8038,7 +8825,48 @@
               <a:buNone/>
             </a:pPr>
             <a:r>
-              <a:rPr lang="en-GB" b="0">
+              <a:rPr lang="en-GB" sz="2200" b="0" dirty="0">
+                <a:effectLst/>
+                <a:latin typeface="Consolas" panose="020B0609020204030204" pitchFamily="49" charset="0"/>
+              </a:rPr>
+              <a:t>    "Content-Type": "application/</a:t>
+            </a:r>
+            <a:r>
+              <a:rPr lang="en-GB" sz="2200" b="0" dirty="0" err="1">
+                <a:effectLst/>
+                <a:latin typeface="Consolas" panose="020B0609020204030204" pitchFamily="49" charset="0"/>
+              </a:rPr>
+              <a:t>json</a:t>
+            </a:r>
+            <a:r>
+              <a:rPr lang="en-GB" sz="2200" b="0" dirty="0">
+                <a:effectLst/>
+                <a:latin typeface="Consolas" panose="020B0609020204030204" pitchFamily="49" charset="0"/>
+              </a:rPr>
+              <a:t>"</a:t>
+            </a:r>
+          </a:p>
+          <a:p>
+            <a:pPr marL="0" indent="0">
+              <a:buNone/>
+            </a:pPr>
+            <a:r>
+              <a:rPr lang="en-GB" sz="2200" dirty="0">
+                <a:latin typeface="Consolas" panose="020B0609020204030204" pitchFamily="49" charset="0"/>
+              </a:rPr>
+              <a:t>  }</a:t>
+            </a:r>
+            <a:endParaRPr lang="en-GB" sz="2200" b="0" dirty="0">
+              <a:effectLst/>
+              <a:latin typeface="Consolas" panose="020B0609020204030204" pitchFamily="49" charset="0"/>
+            </a:endParaRPr>
+          </a:p>
+          <a:p>
+            <a:pPr marL="0" indent="0">
+              <a:buNone/>
+            </a:pPr>
+            <a:r>
+              <a:rPr lang="en-GB" sz="2200" b="0" dirty="0">
                 <a:effectLst/>
                 <a:latin typeface="Consolas" panose="020B0609020204030204" pitchFamily="49" charset="0"/>
               </a:rPr>
@@ -8066,7 +8894,7 @@
 </p:sld>
 </file>
 
-<file path=ppt/slides/slide6.xml><?xml version="1.0" encoding="utf-8"?>
+<file path=ppt/slides/slide7.xml><?xml version="1.0" encoding="utf-8"?>
 <p:sld xmlns:a="http://schemas.openxmlformats.org/drawingml/2006/main" xmlns:r="http://schemas.openxmlformats.org/officeDocument/2006/relationships" xmlns:p="http://schemas.openxmlformats.org/presentationml/2006/main">
   <p:cSld>
     <p:bg>
@@ -11077,7 +11905,7 @@
 </p:sld>
 </file>
 
-<file path=ppt/slides/slide7.xml><?xml version="1.0" encoding="utf-8"?>
+<file path=ppt/slides/slide8.xml><?xml version="1.0" encoding="utf-8"?>
 <p:sld xmlns:a="http://schemas.openxmlformats.org/drawingml/2006/main" xmlns:r="http://schemas.openxmlformats.org/officeDocument/2006/relationships" xmlns:p="http://schemas.openxmlformats.org/presentationml/2006/main">
   <p:cSld>
     <p:bg>
@@ -12338,15 +13166,15 @@
 </p:sld>
 </file>
 
-<file path=ppt/slides/slide8.xml><?xml version="1.0" encoding="utf-8"?>
+<file path=ppt/slides/slide9.xml><?xml version="1.0" encoding="utf-8"?>
 <p:sld xmlns:a="http://schemas.openxmlformats.org/drawingml/2006/main" xmlns:r="http://schemas.openxmlformats.org/officeDocument/2006/relationships" xmlns:p="http://schemas.openxmlformats.org/presentationml/2006/main">
   <p:cSld>
     <p:bg>
       <p:bgPr>
         <a:solidFill>
-          <a:schemeClr val="bg1">
-            <a:tint val="95000"/>
-            <a:satMod val="170000"/>
+          <a:schemeClr val="accent4">
+            <a:lumMod val="20000"/>
+            <a:lumOff val="80000"/>
           </a:schemeClr>
         </a:solidFill>
         <a:effectLst/>
@@ -12371,7 +13199,7 @@
           <p:cNvPr id="2" name="Title 1">
             <a:extLst>
               <a:ext uri="{FF2B5EF4-FFF2-40B4-BE49-F238E27FC236}">
-                <a16:creationId xmlns:a16="http://schemas.microsoft.com/office/drawing/2014/main" id="{C18C77F4-017C-4963-8120-026618A2D443}"/>
+                <a16:creationId xmlns:a16="http://schemas.microsoft.com/office/drawing/2014/main" id="{D79EAFC8-4C43-2389-22DB-2C82CE721F7C}"/>
               </a:ext>
             </a:extLst>
           </p:cNvPr>
@@ -12384,241 +13212,492 @@
         </p:nvSpPr>
         <p:spPr>
           <a:xfrm>
-            <a:off x="7464614" y="1783959"/>
-            <a:ext cx="4087306" cy="2889114"/>
+            <a:off x="0" y="0"/>
+            <a:ext cx="12192000" cy="1325563"/>
           </a:xfrm>
         </p:spPr>
         <p:txBody>
-          <a:bodyPr vert="horz" lIns="91440" tIns="45720" rIns="91440" bIns="45720" rtlCol="0" anchor="b">
+          <a:bodyPr>
             <a:normAutofit/>
           </a:bodyPr>
           <a:lstStyle/>
           <a:p>
             <a:r>
-              <a:rPr lang="en-US" sz="5000"/>
-              <a:t>Tell me something you’ve learned</a:t>
+              <a:rPr lang="en-GB" sz="2800" dirty="0"/>
+              <a:t>You have </a:t>
+            </a:r>
+            <a:r>
+              <a:rPr lang="en-GB" sz="2800" b="1" dirty="0"/>
+              <a:t>images</a:t>
+            </a:r>
+            <a:r>
+              <a:rPr lang="en-GB" sz="2800" dirty="0"/>
+              <a:t> which can be added to </a:t>
+            </a:r>
+            <a:r>
+              <a:rPr lang="en-GB" sz="2800" b="1" dirty="0"/>
+              <a:t>albums</a:t>
+            </a:r>
+            <a:r>
+              <a:rPr lang="en-GB" sz="2800" dirty="0"/>
+              <a:t>. Give me some bad and good examples of API endpoints.</a:t>
             </a:r>
           </a:p>
         </p:txBody>
       </p:sp>
-      <p:sp>
-        <p:nvSpPr>
-          <p:cNvPr id="10" name="Freeform: Shape 9">
+      <p:graphicFrame>
+        <p:nvGraphicFramePr>
+          <p:cNvPr id="7" name="Table 7">
             <a:extLst>
               <a:ext uri="{FF2B5EF4-FFF2-40B4-BE49-F238E27FC236}">
-                <a16:creationId xmlns:a16="http://schemas.microsoft.com/office/drawing/2014/main" id="{E49CC64F-7275-4E33-961B-0C5CDC439875}"/>
-              </a:ext>
-              <a:ext uri="{C183D7F6-B498-43B3-948B-1728B52AA6E4}">
-                <adec:decorative xmlns:adec="http://schemas.microsoft.com/office/drawing/2017/decorative" val="1"/>
+                <a16:creationId xmlns:a16="http://schemas.microsoft.com/office/drawing/2014/main" id="{9A039A03-1F0D-2B25-1C87-F0F2F5A82B32}"/>
               </a:ext>
             </a:extLst>
           </p:cNvPr>
-          <p:cNvSpPr>
-            <a:spLocks noGrp="1" noRot="1" noChangeAspect="1" noMove="1" noResize="1" noEditPoints="1" noAdjustHandles="1" noChangeArrowheads="1" noChangeShapeType="1" noTextEdit="1"/>
-          </p:cNvSpPr>
+          <p:cNvGraphicFramePr>
+            <a:graphicFrameLocks noGrp="1"/>
+          </p:cNvGraphicFramePr>
           <p:nvPr>
             <p:extLst>
-              <p:ext uri="{386F3935-93C4-4BCD-93E2-E3B085C9AB24}">
-                <p16:designElem xmlns:p16="http://schemas.microsoft.com/office/powerpoint/2015/main" val="1"/>
+              <p:ext uri="{D42A27DB-BD31-4B8C-83A1-F6EECF244321}">
+                <p14:modId xmlns:p14="http://schemas.microsoft.com/office/powerpoint/2010/main" val="3500078053"/>
               </p:ext>
             </p:extLst>
           </p:nvPr>
-        </p:nvSpPr>
-        <p:spPr>
-          <a:xfrm flipH="1" flipV="1">
-            <a:off x="1" y="0"/>
-            <a:ext cx="7188051" cy="6858000"/>
-          </a:xfrm>
-          <a:custGeom>
-            <a:avLst/>
-            <a:gdLst>
-              <a:gd name="connsiteX0" fmla="*/ 7188051 w 7188051"/>
-              <a:gd name="connsiteY0" fmla="*/ 6858000 h 6858000"/>
-              <a:gd name="connsiteX1" fmla="*/ 108694 w 7188051"/>
-              <a:gd name="connsiteY1" fmla="*/ 6858000 h 6858000"/>
-              <a:gd name="connsiteX2" fmla="*/ 79127 w 7188051"/>
-              <a:gd name="connsiteY2" fmla="*/ 6681235 h 6858000"/>
-              <a:gd name="connsiteX3" fmla="*/ 0 w 7188051"/>
-              <a:gd name="connsiteY3" fmla="*/ 5565888 h 6858000"/>
-              <a:gd name="connsiteX4" fmla="*/ 2190696 w 7188051"/>
-              <a:gd name="connsiteY4" fmla="*/ 145339 h 6858000"/>
-              <a:gd name="connsiteX5" fmla="*/ 2339431 w 7188051"/>
-              <a:gd name="connsiteY5" fmla="*/ 0 h 6858000"/>
-              <a:gd name="connsiteX6" fmla="*/ 7188051 w 7188051"/>
-              <a:gd name="connsiteY6" fmla="*/ 0 h 6858000"/>
-            </a:gdLst>
-            <a:ahLst/>
-            <a:cxnLst>
-              <a:cxn ang="0">
-                <a:pos x="connsiteX0" y="connsiteY0"/>
-              </a:cxn>
-              <a:cxn ang="0">
-                <a:pos x="connsiteX1" y="connsiteY1"/>
-              </a:cxn>
-              <a:cxn ang="0">
-                <a:pos x="connsiteX2" y="connsiteY2"/>
-              </a:cxn>
-              <a:cxn ang="0">
-                <a:pos x="connsiteX3" y="connsiteY3"/>
-              </a:cxn>
-              <a:cxn ang="0">
-                <a:pos x="connsiteX4" y="connsiteY4"/>
-              </a:cxn>
-              <a:cxn ang="0">
-                <a:pos x="connsiteX5" y="connsiteY5"/>
-              </a:cxn>
-              <a:cxn ang="0">
-                <a:pos x="connsiteX6" y="connsiteY6"/>
-              </a:cxn>
-            </a:cxnLst>
-            <a:rect l="l" t="t" r="r" b="b"/>
-            <a:pathLst>
-              <a:path w="7188051" h="6858000">
-                <a:moveTo>
-                  <a:pt x="7188051" y="6858000"/>
-                </a:moveTo>
-                <a:lnTo>
-                  <a:pt x="108694" y="6858000"/>
-                </a:lnTo>
-                <a:lnTo>
-                  <a:pt x="79127" y="6681235"/>
-                </a:lnTo>
-                <a:cubicBezTo>
-                  <a:pt x="26981" y="6316967"/>
-                  <a:pt x="0" y="5944579"/>
-                  <a:pt x="0" y="5565888"/>
-                </a:cubicBezTo>
-                <a:cubicBezTo>
-                  <a:pt x="0" y="3459953"/>
-                  <a:pt x="834428" y="1548908"/>
-                  <a:pt x="2190696" y="145339"/>
-                </a:cubicBezTo>
-                <a:lnTo>
-                  <a:pt x="2339431" y="0"/>
-                </a:lnTo>
-                <a:lnTo>
-                  <a:pt x="7188051" y="0"/>
-                </a:lnTo>
-                <a:close/>
-              </a:path>
-            </a:pathLst>
-          </a:custGeom>
-          <a:solidFill>
-            <a:schemeClr val="tx1">
-              <a:alpha val="80000"/>
-            </a:schemeClr>
-          </a:solidFill>
-          <a:ln>
-            <a:noFill/>
-          </a:ln>
-        </p:spPr>
-        <p:style>
-          <a:lnRef idx="2">
-            <a:schemeClr val="accent1">
-              <a:shade val="50000"/>
-            </a:schemeClr>
-          </a:lnRef>
-          <a:fillRef idx="1">
-            <a:schemeClr val="accent1"/>
-          </a:fillRef>
-          <a:effectRef idx="0">
-            <a:schemeClr val="accent1"/>
-          </a:effectRef>
-          <a:fontRef idx="minor">
-            <a:schemeClr val="lt1"/>
-          </a:fontRef>
-        </p:style>
-        <p:txBody>
-          <a:bodyPr wrap="square" rtlCol="0" anchor="ctr">
-            <a:noAutofit/>
-          </a:bodyPr>
-          <a:lstStyle/>
-          <a:p>
-            <a:pPr algn="ctr"/>
-            <a:endParaRPr lang="en-US"/>
-          </a:p>
-        </p:txBody>
-      </p:sp>
-      <p:pic>
-        <p:nvPicPr>
-          <p:cNvPr id="5" name="Content Placeholder 4" descr="Woman reaching for book in library">
-            <a:extLst>
-              <a:ext uri="{FF2B5EF4-FFF2-40B4-BE49-F238E27FC236}">
-                <a16:creationId xmlns:a16="http://schemas.microsoft.com/office/drawing/2014/main" id="{3B9EDE41-42E1-4FCB-9228-8EB962680373}"/>
-              </a:ext>
-            </a:extLst>
-          </p:cNvPr>
-          <p:cNvPicPr>
-            <a:picLocks noGrp="1" noChangeAspect="1"/>
-          </p:cNvPicPr>
-          <p:nvPr>
-            <p:ph idx="1"/>
-          </p:nvPr>
-        </p:nvPicPr>
-        <p:blipFill rotWithShape="1">
-          <a:blip r:embed="rId2">
-            <a:extLst>
-              <a:ext uri="{28A0092B-C50C-407E-A947-70E740481C1C}">
-                <a14:useLocalDpi xmlns:a14="http://schemas.microsoft.com/office/drawing/2010/main" val="0"/>
-              </a:ext>
-            </a:extLst>
-          </a:blip>
-          <a:srcRect l="15036" r="16553" b="-1"/>
-          <a:stretch/>
-        </p:blipFill>
-        <p:spPr>
-          <a:xfrm>
-            <a:off x="1" y="10"/>
-            <a:ext cx="7028495" cy="6857990"/>
-          </a:xfrm>
-          <a:custGeom>
-            <a:avLst/>
-            <a:gdLst/>
-            <a:ahLst/>
-            <a:cxnLst/>
-            <a:rect l="l" t="t" r="r" b="b"/>
-            <a:pathLst>
-              <a:path w="7028495" h="6858000">
-                <a:moveTo>
-                  <a:pt x="0" y="0"/>
-                </a:moveTo>
-                <a:lnTo>
-                  <a:pt x="6915668" y="0"/>
-                </a:lnTo>
-                <a:lnTo>
-                  <a:pt x="6952411" y="219663"/>
-                </a:lnTo>
-                <a:cubicBezTo>
-                  <a:pt x="7002551" y="569921"/>
-                  <a:pt x="7028495" y="927986"/>
-                  <a:pt x="7028495" y="1292112"/>
-                </a:cubicBezTo>
-                <a:cubicBezTo>
-                  <a:pt x="7028495" y="3343346"/>
-                  <a:pt x="6205186" y="5202289"/>
-                  <a:pt x="4870994" y="6556512"/>
-                </a:cubicBezTo>
-                <a:lnTo>
-                  <a:pt x="4556185" y="6858000"/>
-                </a:lnTo>
-                <a:lnTo>
-                  <a:pt x="0" y="6858000"/>
-                </a:lnTo>
-                <a:close/>
-              </a:path>
-            </a:pathLst>
-          </a:custGeom>
-        </p:spPr>
-      </p:pic>
+        </p:nvGraphicFramePr>
+        <p:xfrm>
+          <a:off x="136293" y="1312980"/>
+          <a:ext cx="11962780" cy="5400000"/>
+        </p:xfrm>
+        <a:graphic>
+          <a:graphicData uri="http://schemas.openxmlformats.org/drawingml/2006/table">
+            <a:tbl>
+              <a:tblPr firstRow="1" bandRow="1">
+                <a:tableStyleId>{5C22544A-7EE6-4342-B048-85BDC9FD1C3A}</a:tableStyleId>
+              </a:tblPr>
+              <a:tblGrid>
+                <a:gridCol w="5981390">
+                  <a:extLst>
+                    <a:ext uri="{9D8B030D-6E8A-4147-A177-3AD203B41FA5}">
+                      <a16:colId xmlns:a16="http://schemas.microsoft.com/office/drawing/2014/main" val="3699122892"/>
+                    </a:ext>
+                  </a:extLst>
+                </a:gridCol>
+                <a:gridCol w="5981390">
+                  <a:extLst>
+                    <a:ext uri="{9D8B030D-6E8A-4147-A177-3AD203B41FA5}">
+                      <a16:colId xmlns:a16="http://schemas.microsoft.com/office/drawing/2014/main" val="1387942931"/>
+                    </a:ext>
+                  </a:extLst>
+                </a:gridCol>
+              </a:tblGrid>
+              <a:tr h="450000">
+                <a:tc>
+                  <a:txBody>
+                    <a:bodyPr/>
+                    <a:lstStyle/>
+                    <a:p>
+                      <a:pPr algn="ctr"/>
+                      <a:r>
+                        <a:rPr lang="en-GB" sz="2000" dirty="0"/>
+                        <a:t>Bad</a:t>
+                      </a:r>
+                    </a:p>
+                  </a:txBody>
+                  <a:tcPr anchor="ctr"/>
+                </a:tc>
+                <a:tc>
+                  <a:txBody>
+                    <a:bodyPr/>
+                    <a:lstStyle/>
+                    <a:p>
+                      <a:pPr algn="ctr"/>
+                      <a:r>
+                        <a:rPr lang="en-GB" sz="2000" dirty="0"/>
+                        <a:t>Good</a:t>
+                      </a:r>
+                    </a:p>
+                  </a:txBody>
+                  <a:tcPr anchor="ctr"/>
+                </a:tc>
+                <a:extLst>
+                  <a:ext uri="{0D108BD9-81ED-4DB2-BD59-A6C34878D82A}">
+                    <a16:rowId xmlns:a16="http://schemas.microsoft.com/office/drawing/2014/main" val="2655940335"/>
+                  </a:ext>
+                </a:extLst>
+              </a:tr>
+              <a:tr h="450000">
+                <a:tc>
+                  <a:txBody>
+                    <a:bodyPr/>
+                    <a:lstStyle/>
+                    <a:p>
+                      <a:r>
+                        <a:rPr lang="en-GB" sz="2000" dirty="0">
+                          <a:latin typeface="Consolas" panose="020B0609020204030204" pitchFamily="49" charset="0"/>
+                        </a:rPr>
+                        <a:t>/</a:t>
+                      </a:r>
+                      <a:r>
+                        <a:rPr lang="en-GB" sz="2000" dirty="0" err="1">
+                          <a:latin typeface="Consolas" panose="020B0609020204030204" pitchFamily="49" charset="0"/>
+                        </a:rPr>
+                        <a:t>getImage?imgId</a:t>
+                      </a:r>
+                      <a:r>
+                        <a:rPr lang="en-GB" sz="2000" dirty="0">
+                          <a:latin typeface="Consolas" panose="020B0609020204030204" pitchFamily="49" charset="0"/>
+                        </a:rPr>
+                        <a:t>=a6r7p</a:t>
+                      </a:r>
+                    </a:p>
+                  </a:txBody>
+                  <a:tcPr anchor="ctr"/>
+                </a:tc>
+                <a:tc>
+                  <a:txBody>
+                    <a:bodyPr/>
+                    <a:lstStyle/>
+                    <a:p>
+                      <a:r>
+                        <a:rPr lang="en-GB" sz="2000" dirty="0">
+                          <a:latin typeface="Consolas" panose="020B0609020204030204" pitchFamily="49" charset="0"/>
+                        </a:rPr>
+                        <a:t>GET images/a6r7p</a:t>
+                      </a:r>
+                    </a:p>
+                  </a:txBody>
+                  <a:tcPr anchor="ctr"/>
+                </a:tc>
+                <a:extLst>
+                  <a:ext uri="{0D108BD9-81ED-4DB2-BD59-A6C34878D82A}">
+                    <a16:rowId xmlns:a16="http://schemas.microsoft.com/office/drawing/2014/main" val="2690550621"/>
+                  </a:ext>
+                </a:extLst>
+              </a:tr>
+              <a:tr h="450000">
+                <a:tc>
+                  <a:txBody>
+                    <a:bodyPr/>
+                    <a:lstStyle/>
+                    <a:p>
+                      <a:endParaRPr lang="en-GB" sz="2000" dirty="0">
+                        <a:latin typeface="Consolas" panose="020B0609020204030204" pitchFamily="49" charset="0"/>
+                      </a:endParaRPr>
+                    </a:p>
+                  </a:txBody>
+                  <a:tcPr anchor="ctr"/>
+                </a:tc>
+                <a:tc>
+                  <a:txBody>
+                    <a:bodyPr/>
+                    <a:lstStyle/>
+                    <a:p>
+                      <a:endParaRPr lang="en-GB" sz="2000" dirty="0">
+                        <a:latin typeface="Consolas" panose="020B0609020204030204" pitchFamily="49" charset="0"/>
+                      </a:endParaRPr>
+                    </a:p>
+                  </a:txBody>
+                  <a:tcPr anchor="ctr"/>
+                </a:tc>
+                <a:extLst>
+                  <a:ext uri="{0D108BD9-81ED-4DB2-BD59-A6C34878D82A}">
+                    <a16:rowId xmlns:a16="http://schemas.microsoft.com/office/drawing/2014/main" val="2145276767"/>
+                  </a:ext>
+                </a:extLst>
+              </a:tr>
+              <a:tr h="450000">
+                <a:tc>
+                  <a:txBody>
+                    <a:bodyPr/>
+                    <a:lstStyle/>
+                    <a:p>
+                      <a:endParaRPr lang="en-GB" sz="2000" dirty="0">
+                        <a:latin typeface="Consolas" panose="020B0609020204030204" pitchFamily="49" charset="0"/>
+                      </a:endParaRPr>
+                    </a:p>
+                  </a:txBody>
+                  <a:tcPr anchor="ctr"/>
+                </a:tc>
+                <a:tc>
+                  <a:txBody>
+                    <a:bodyPr/>
+                    <a:lstStyle/>
+                    <a:p>
+                      <a:endParaRPr lang="en-GB" sz="2000" dirty="0">
+                        <a:latin typeface="Consolas" panose="020B0609020204030204" pitchFamily="49" charset="0"/>
+                      </a:endParaRPr>
+                    </a:p>
+                  </a:txBody>
+                  <a:tcPr anchor="ctr"/>
+                </a:tc>
+                <a:extLst>
+                  <a:ext uri="{0D108BD9-81ED-4DB2-BD59-A6C34878D82A}">
+                    <a16:rowId xmlns:a16="http://schemas.microsoft.com/office/drawing/2014/main" val="326096437"/>
+                  </a:ext>
+                </a:extLst>
+              </a:tr>
+              <a:tr h="450000">
+                <a:tc>
+                  <a:txBody>
+                    <a:bodyPr/>
+                    <a:lstStyle/>
+                    <a:p>
+                      <a:endParaRPr lang="en-GB" sz="2000" dirty="0">
+                        <a:latin typeface="Consolas" panose="020B0609020204030204" pitchFamily="49" charset="0"/>
+                      </a:endParaRPr>
+                    </a:p>
+                  </a:txBody>
+                  <a:tcPr anchor="ctr"/>
+                </a:tc>
+                <a:tc>
+                  <a:txBody>
+                    <a:bodyPr/>
+                    <a:lstStyle/>
+                    <a:p>
+                      <a:endParaRPr lang="en-GB" sz="2000" dirty="0">
+                        <a:latin typeface="Consolas" panose="020B0609020204030204" pitchFamily="49" charset="0"/>
+                      </a:endParaRPr>
+                    </a:p>
+                  </a:txBody>
+                  <a:tcPr anchor="ctr"/>
+                </a:tc>
+                <a:extLst>
+                  <a:ext uri="{0D108BD9-81ED-4DB2-BD59-A6C34878D82A}">
+                    <a16:rowId xmlns:a16="http://schemas.microsoft.com/office/drawing/2014/main" val="1967077584"/>
+                  </a:ext>
+                </a:extLst>
+              </a:tr>
+              <a:tr h="450000">
+                <a:tc>
+                  <a:txBody>
+                    <a:bodyPr/>
+                    <a:lstStyle/>
+                    <a:p>
+                      <a:endParaRPr lang="en-GB" sz="2000" dirty="0">
+                        <a:latin typeface="Consolas" panose="020B0609020204030204" pitchFamily="49" charset="0"/>
+                      </a:endParaRPr>
+                    </a:p>
+                  </a:txBody>
+                  <a:tcPr anchor="ctr"/>
+                </a:tc>
+                <a:tc>
+                  <a:txBody>
+                    <a:bodyPr/>
+                    <a:lstStyle/>
+                    <a:p>
+                      <a:endParaRPr lang="en-GB" sz="2000" dirty="0">
+                        <a:latin typeface="Consolas" panose="020B0609020204030204" pitchFamily="49" charset="0"/>
+                      </a:endParaRPr>
+                    </a:p>
+                  </a:txBody>
+                  <a:tcPr anchor="ctr"/>
+                </a:tc>
+                <a:extLst>
+                  <a:ext uri="{0D108BD9-81ED-4DB2-BD59-A6C34878D82A}">
+                    <a16:rowId xmlns:a16="http://schemas.microsoft.com/office/drawing/2014/main" val="1870222752"/>
+                  </a:ext>
+                </a:extLst>
+              </a:tr>
+              <a:tr h="450000">
+                <a:tc>
+                  <a:txBody>
+                    <a:bodyPr/>
+                    <a:lstStyle/>
+                    <a:p>
+                      <a:endParaRPr lang="en-GB" sz="2000" dirty="0">
+                        <a:latin typeface="Consolas" panose="020B0609020204030204" pitchFamily="49" charset="0"/>
+                      </a:endParaRPr>
+                    </a:p>
+                  </a:txBody>
+                  <a:tcPr anchor="ctr"/>
+                </a:tc>
+                <a:tc>
+                  <a:txBody>
+                    <a:bodyPr/>
+                    <a:lstStyle/>
+                    <a:p>
+                      <a:endParaRPr lang="en-GB" sz="2000" dirty="0">
+                        <a:latin typeface="Consolas" panose="020B0609020204030204" pitchFamily="49" charset="0"/>
+                      </a:endParaRPr>
+                    </a:p>
+                  </a:txBody>
+                  <a:tcPr anchor="ctr"/>
+                </a:tc>
+                <a:extLst>
+                  <a:ext uri="{0D108BD9-81ED-4DB2-BD59-A6C34878D82A}">
+                    <a16:rowId xmlns:a16="http://schemas.microsoft.com/office/drawing/2014/main" val="101298848"/>
+                  </a:ext>
+                </a:extLst>
+              </a:tr>
+              <a:tr h="450000">
+                <a:tc>
+                  <a:txBody>
+                    <a:bodyPr/>
+                    <a:lstStyle/>
+                    <a:p>
+                      <a:endParaRPr lang="en-GB" sz="2000" dirty="0">
+                        <a:latin typeface="Consolas" panose="020B0609020204030204" pitchFamily="49" charset="0"/>
+                      </a:endParaRPr>
+                    </a:p>
+                  </a:txBody>
+                  <a:tcPr anchor="ctr"/>
+                </a:tc>
+                <a:tc>
+                  <a:txBody>
+                    <a:bodyPr/>
+                    <a:lstStyle/>
+                    <a:p>
+                      <a:endParaRPr lang="en-GB" sz="2000" dirty="0">
+                        <a:latin typeface="Consolas" panose="020B0609020204030204" pitchFamily="49" charset="0"/>
+                      </a:endParaRPr>
+                    </a:p>
+                  </a:txBody>
+                  <a:tcPr anchor="ctr"/>
+                </a:tc>
+                <a:extLst>
+                  <a:ext uri="{0D108BD9-81ED-4DB2-BD59-A6C34878D82A}">
+                    <a16:rowId xmlns:a16="http://schemas.microsoft.com/office/drawing/2014/main" val="3675164526"/>
+                  </a:ext>
+                </a:extLst>
+              </a:tr>
+              <a:tr h="450000">
+                <a:tc>
+                  <a:txBody>
+                    <a:bodyPr/>
+                    <a:lstStyle/>
+                    <a:p>
+                      <a:endParaRPr lang="en-GB" sz="2000" dirty="0">
+                        <a:latin typeface="Consolas" panose="020B0609020204030204" pitchFamily="49" charset="0"/>
+                      </a:endParaRPr>
+                    </a:p>
+                  </a:txBody>
+                  <a:tcPr anchor="ctr"/>
+                </a:tc>
+                <a:tc>
+                  <a:txBody>
+                    <a:bodyPr/>
+                    <a:lstStyle/>
+                    <a:p>
+                      <a:endParaRPr lang="en-GB" sz="2000" dirty="0">
+                        <a:latin typeface="Consolas" panose="020B0609020204030204" pitchFamily="49" charset="0"/>
+                      </a:endParaRPr>
+                    </a:p>
+                  </a:txBody>
+                  <a:tcPr anchor="ctr"/>
+                </a:tc>
+                <a:extLst>
+                  <a:ext uri="{0D108BD9-81ED-4DB2-BD59-A6C34878D82A}">
+                    <a16:rowId xmlns:a16="http://schemas.microsoft.com/office/drawing/2014/main" val="3118404376"/>
+                  </a:ext>
+                </a:extLst>
+              </a:tr>
+              <a:tr h="450000">
+                <a:tc>
+                  <a:txBody>
+                    <a:bodyPr/>
+                    <a:lstStyle/>
+                    <a:p>
+                      <a:endParaRPr lang="en-GB" sz="2000" dirty="0">
+                        <a:latin typeface="Consolas" panose="020B0609020204030204" pitchFamily="49" charset="0"/>
+                      </a:endParaRPr>
+                    </a:p>
+                  </a:txBody>
+                  <a:tcPr anchor="ctr"/>
+                </a:tc>
+                <a:tc>
+                  <a:txBody>
+                    <a:bodyPr/>
+                    <a:lstStyle/>
+                    <a:p>
+                      <a:endParaRPr lang="en-GB" sz="2000" dirty="0">
+                        <a:latin typeface="Consolas" panose="020B0609020204030204" pitchFamily="49" charset="0"/>
+                      </a:endParaRPr>
+                    </a:p>
+                  </a:txBody>
+                  <a:tcPr anchor="ctr"/>
+                </a:tc>
+                <a:extLst>
+                  <a:ext uri="{0D108BD9-81ED-4DB2-BD59-A6C34878D82A}">
+                    <a16:rowId xmlns:a16="http://schemas.microsoft.com/office/drawing/2014/main" val="3643836149"/>
+                  </a:ext>
+                </a:extLst>
+              </a:tr>
+              <a:tr h="450000">
+                <a:tc>
+                  <a:txBody>
+                    <a:bodyPr/>
+                    <a:lstStyle/>
+                    <a:p>
+                      <a:endParaRPr lang="en-GB" sz="2000" dirty="0">
+                        <a:latin typeface="Consolas" panose="020B0609020204030204" pitchFamily="49" charset="0"/>
+                      </a:endParaRPr>
+                    </a:p>
+                  </a:txBody>
+                  <a:tcPr anchor="ctr"/>
+                </a:tc>
+                <a:tc>
+                  <a:txBody>
+                    <a:bodyPr/>
+                    <a:lstStyle/>
+                    <a:p>
+                      <a:endParaRPr lang="en-GB" sz="2000" dirty="0">
+                        <a:latin typeface="Consolas" panose="020B0609020204030204" pitchFamily="49" charset="0"/>
+                      </a:endParaRPr>
+                    </a:p>
+                  </a:txBody>
+                  <a:tcPr anchor="ctr"/>
+                </a:tc>
+                <a:extLst>
+                  <a:ext uri="{0D108BD9-81ED-4DB2-BD59-A6C34878D82A}">
+                    <a16:rowId xmlns:a16="http://schemas.microsoft.com/office/drawing/2014/main" val="3357987948"/>
+                  </a:ext>
+                </a:extLst>
+              </a:tr>
+              <a:tr h="450000">
+                <a:tc>
+                  <a:txBody>
+                    <a:bodyPr/>
+                    <a:lstStyle/>
+                    <a:p>
+                      <a:endParaRPr lang="en-GB" sz="2000" dirty="0">
+                        <a:latin typeface="Consolas" panose="020B0609020204030204" pitchFamily="49" charset="0"/>
+                      </a:endParaRPr>
+                    </a:p>
+                  </a:txBody>
+                  <a:tcPr anchor="ctr"/>
+                </a:tc>
+                <a:tc>
+                  <a:txBody>
+                    <a:bodyPr/>
+                    <a:lstStyle/>
+                    <a:p>
+                      <a:endParaRPr lang="en-GB" sz="2000" dirty="0">
+                        <a:latin typeface="Consolas" panose="020B0609020204030204" pitchFamily="49" charset="0"/>
+                      </a:endParaRPr>
+                    </a:p>
+                  </a:txBody>
+                  <a:tcPr anchor="ctr"/>
+                </a:tc>
+                <a:extLst>
+                  <a:ext uri="{0D108BD9-81ED-4DB2-BD59-A6C34878D82A}">
+                    <a16:rowId xmlns:a16="http://schemas.microsoft.com/office/drawing/2014/main" val="1420835041"/>
+                  </a:ext>
+                </a:extLst>
+              </a:tr>
+            </a:tbl>
+          </a:graphicData>
+        </a:graphic>
+      </p:graphicFrame>
     </p:spTree>
     <p:extLst>
       <p:ext uri="{BB962C8B-B14F-4D97-AF65-F5344CB8AC3E}">
-        <p14:creationId xmlns:p14="http://schemas.microsoft.com/office/powerpoint/2010/main" val="938545166"/>
+        <p14:creationId xmlns:p14="http://schemas.microsoft.com/office/powerpoint/2010/main" val="3123253717"/>
       </p:ext>
     </p:extLst>
   </p:cSld>
   <p:clrMapOvr>
-    <a:overrideClrMapping bg1="dk1" tx1="lt1" bg2="dk2" tx2="lt2" accent1="accent1" accent2="accent2" accent3="accent3" accent4="accent4" accent5="accent5" accent6="accent6" hlink="hlink" folHlink="folHlink"/>
+    <a:masterClrMapping/>
   </p:clrMapOvr>
 </p:sld>
 </file>
